--- a/Keynotes/week11_ui_调度器_帧动画.pptx
+++ b/Keynotes/week11_ui_调度器_帧动画.pptx
@@ -320,7 +320,7 @@
           <a:p>
             <a:fld id="{1D8BD707-D9CF-40AE-B4C6-C98DA3205C09}" type="datetimeFigureOut">
               <a:rPr lang="en-US"/>
-              <a:t>5/22/2018</a:t>
+              <a:t>5/24/2018</a:t>
             </a:fld>
             <a:endParaRPr lang="en-US"/>
           </a:p>
@@ -495,7 +495,7 @@
           <a:p>
             <a:fld id="{1D8BD707-D9CF-40AE-B4C6-C98DA3205C09}" type="datetimeFigureOut">
               <a:rPr lang="en-US"/>
-              <a:t>5/22/2018</a:t>
+              <a:t>5/24/2018</a:t>
             </a:fld>
             <a:endParaRPr lang="en-US"/>
           </a:p>
@@ -709,7 +709,7 @@
           <a:p>
             <a:fld id="{1D8BD707-D9CF-40AE-B4C6-C98DA3205C09}" type="datetimeFigureOut">
               <a:rPr lang="en-US"/>
-              <a:t>5/22/2018</a:t>
+              <a:t>5/24/2018</a:t>
             </a:fld>
             <a:endParaRPr lang="en-US"/>
           </a:p>
@@ -952,7 +952,7 @@
           <a:p>
             <a:fld id="{1D8BD707-D9CF-40AE-B4C6-C98DA3205C09}" type="datetimeFigureOut">
               <a:rPr lang="en-US"/>
-              <a:t>5/22/2018</a:t>
+              <a:t>5/24/2018</a:t>
             </a:fld>
             <a:endParaRPr lang="en-US"/>
           </a:p>
@@ -1071,7 +1071,7 @@
           <a:p>
             <a:fld id="{1D8BD707-D9CF-40AE-B4C6-C98DA3205C09}" type="datetimeFigureOut">
               <a:rPr lang="en-US"/>
-              <a:t>5/22/2018</a:t>
+              <a:t>5/24/2018</a:t>
             </a:fld>
             <a:endParaRPr lang="en-US"/>
           </a:p>
@@ -1323,7 +1323,7 @@
           <a:p>
             <a:fld id="{1D8BD707-D9CF-40AE-B4C6-C98DA3205C09}" type="datetimeFigureOut">
               <a:rPr lang="en-US"/>
-              <a:t>5/22/2018</a:t>
+              <a:t>5/24/2018</a:t>
             </a:fld>
             <a:endParaRPr lang="en-US"/>
           </a:p>
@@ -7736,10 +7736,6 @@
               </a:rPr>
               <a:t>Widget</a:t>
             </a:r>
-            <a:endParaRPr sz="2400">
-              <a:latin typeface="Verdana"/>
-              <a:cs typeface="Verdana"/>
-            </a:endParaRPr>
           </a:p>
           <a:p>
             <a:pPr marL="355600" indent="-342900">
@@ -7763,7 +7759,7 @@
               </a:rPr>
               <a:t>用于陈列子空间和剪裁</a:t>
             </a:r>
-            <a:endParaRPr sz="2400">
+            <a:endParaRPr sz="2400" dirty="0">
               <a:latin typeface="Noto Sans CJK JP Regular"/>
               <a:cs typeface="Noto Sans CJK JP Regular"/>
             </a:endParaRPr>
@@ -7825,10 +7821,6 @@
               </a:rPr>
               <a:t>和</a:t>
             </a:r>
-            <a:endParaRPr sz="2400">
-              <a:latin typeface="Noto Sans CJK JP Regular"/>
-              <a:cs typeface="Noto Sans CJK JP Regular"/>
-            </a:endParaRPr>
           </a:p>
           <a:p>
             <a:pPr marL="355600">
@@ -7850,10 +7842,6 @@
               </a:rPr>
               <a:t>类</a:t>
             </a:r>
-            <a:endParaRPr sz="2400">
-              <a:latin typeface="Noto Sans CJK JP Regular"/>
-              <a:cs typeface="Noto Sans CJK JP Regular"/>
-            </a:endParaRPr>
           </a:p>
           <a:p>
             <a:pPr marL="355600" indent="-342900">
@@ -7905,7 +7893,7 @@
               </a:rPr>
               <a:t>水平陈列</a:t>
             </a:r>
-            <a:endParaRPr sz="2400">
+            <a:endParaRPr sz="2400" dirty="0">
               <a:latin typeface="Noto Sans CJK JP Regular"/>
               <a:cs typeface="Noto Sans CJK JP Regular"/>
             </a:endParaRPr>
@@ -7960,10 +7948,6 @@
               </a:rPr>
               <a:t>垂直陈列</a:t>
             </a:r>
-            <a:endParaRPr sz="2400">
-              <a:latin typeface="Noto Sans CJK JP Regular"/>
-              <a:cs typeface="Noto Sans CJK JP Regular"/>
-            </a:endParaRPr>
           </a:p>
           <a:p>
             <a:pPr marL="355600" indent="-342900">
@@ -8015,10 +7999,6 @@
               </a:rPr>
               <a:t>相对陈列</a:t>
             </a:r>
-            <a:endParaRPr sz="2400">
-              <a:latin typeface="Noto Sans CJK JP Regular"/>
-              <a:cs typeface="Noto Sans CJK JP Regular"/>
-            </a:endParaRPr>
           </a:p>
           <a:p>
             <a:pPr marL="355600" indent="-342900">
@@ -8036,52 +8016,66 @@
               </a:tabLst>
             </a:pPr>
             <a:r>
-              <a:rPr sz="2400" spc="-5" dirty="0">
-                <a:latin typeface="Verdana"/>
-                <a:cs typeface="Verdana"/>
-              </a:rPr>
-              <a:t>ScrolView</a:t>
-            </a:r>
-            <a:r>
-              <a:rPr sz="2400" spc="-5" dirty="0">
+              <a:rPr sz="2400" spc="-5" dirty="0" smtClean="0">
+                <a:latin typeface="Verdana"/>
+                <a:cs typeface="Verdana"/>
+              </a:rPr>
+              <a:t>Scrol</a:t>
+            </a:r>
+            <a:r>
+              <a:rPr lang="en-US" altLang="zh-CN" sz="2400" spc="-5" dirty="0" smtClean="0">
+                <a:latin typeface="Verdana"/>
+                <a:cs typeface="Verdana"/>
+              </a:rPr>
+              <a:t>l</a:t>
+            </a:r>
+            <a:r>
+              <a:rPr sz="2400" spc="-5" dirty="0" smtClean="0">
+                <a:latin typeface="Verdana"/>
+                <a:cs typeface="Verdana"/>
+              </a:rPr>
+              <a:t>View</a:t>
+            </a:r>
+            <a:r>
+              <a:rPr sz="2400" spc="-5" dirty="0" smtClean="0">
                 <a:latin typeface="Noto Sans CJK JP Regular"/>
                 <a:cs typeface="Noto Sans CJK JP Regular"/>
               </a:rPr>
               <a:t>、</a:t>
             </a:r>
             <a:r>
-              <a:rPr sz="2400" spc="-5" dirty="0">
+              <a:rPr sz="2400" spc="-5" dirty="0" smtClean="0">
                 <a:latin typeface="Verdana"/>
                 <a:cs typeface="Verdana"/>
               </a:rPr>
               <a:t>ListView</a:t>
             </a:r>
             <a:r>
+              <a:rPr sz="2400" spc="-15" dirty="0" smtClean="0">
+                <a:latin typeface="Noto Sans CJK JP Regular"/>
+                <a:cs typeface="Noto Sans CJK JP Regular"/>
+              </a:rPr>
+              <a:t>、</a:t>
+            </a:r>
+            <a:r>
+              <a:rPr sz="2400" spc="-20" dirty="0" smtClean="0">
+                <a:latin typeface="Verdana"/>
+                <a:cs typeface="Verdana"/>
+              </a:rPr>
+              <a:t>PageView</a:t>
+            </a:r>
+            <a:r>
+              <a:rPr sz="2400" dirty="0">
+                <a:latin typeface="Noto Sans CJK JP Regular"/>
+                <a:cs typeface="Noto Sans CJK JP Regular"/>
+              </a:rPr>
+              <a:t>指</a:t>
+            </a:r>
+            <a:r>
               <a:rPr sz="2400" spc="-15" dirty="0">
                 <a:latin typeface="Noto Sans CJK JP Regular"/>
                 <a:cs typeface="Noto Sans CJK JP Regular"/>
               </a:rPr>
-              <a:t>、</a:t>
-            </a:r>
-            <a:r>
-              <a:rPr sz="2400" spc="-20" dirty="0">
-                <a:latin typeface="Verdana"/>
-                <a:cs typeface="Verdana"/>
-              </a:rPr>
-              <a:t>PageView</a:t>
-            </a:r>
-            <a:r>
-              <a:rPr sz="2400" dirty="0">
-                <a:latin typeface="Noto Sans CJK JP Regular"/>
-                <a:cs typeface="Noto Sans CJK JP Regular"/>
-              </a:rPr>
-              <a:t>指</a:t>
-            </a:r>
-            <a:r>
-              <a:rPr sz="2400" spc="-15" dirty="0">
-                <a:latin typeface="Noto Sans CJK JP Regular"/>
-                <a:cs typeface="Noto Sans CJK JP Regular"/>
-              </a:rPr>
               <a:t>定</a:t>
             </a:r>
             <a:r>
@@ -8091,10 +8085,6 @@
               </a:rPr>
               <a:t>容器</a:t>
             </a:r>
-            <a:endParaRPr sz="2400">
-              <a:latin typeface="Noto Sans CJK JP Regular"/>
-              <a:cs typeface="Noto Sans CJK JP Regular"/>
-            </a:endParaRPr>
           </a:p>
         </p:txBody>
       </p:sp>
@@ -8270,7 +8260,7 @@
               </a:rPr>
               <a:t>对象</a:t>
             </a:r>
-            <a:endParaRPr sz="2400">
+            <a:endParaRPr sz="2400" dirty="0">
               <a:latin typeface="Noto Sans CJK JP Regular"/>
               <a:cs typeface="Noto Sans CJK JP Regular"/>
             </a:endParaRPr>
@@ -8283,7 +8273,7 @@
               <a:buFont typeface="Arial"/>
               <a:buChar char="•"/>
             </a:pPr>
-            <a:endParaRPr sz="3650">
+            <a:endParaRPr sz="3650" dirty="0">
               <a:latin typeface="Times New Roman"/>
               <a:cs typeface="Times New Roman"/>
             </a:endParaRPr>
@@ -8380,10 +8370,6 @@
               </a:rPr>
               <a:t>、</a:t>
             </a:r>
-            <a:endParaRPr sz="2400">
-              <a:latin typeface="Noto Sans CJK JP Regular"/>
-              <a:cs typeface="Noto Sans CJK JP Regular"/>
-            </a:endParaRPr>
           </a:p>
           <a:p>
             <a:pPr marL="355600">
@@ -8461,10 +8447,6 @@
               </a:rPr>
               <a:t>）、</a:t>
             </a:r>
-            <a:endParaRPr sz="2400">
-              <a:latin typeface="Noto Sans CJK JP Regular"/>
-              <a:cs typeface="Noto Sans CJK JP Regular"/>
-            </a:endParaRPr>
           </a:p>
           <a:p>
             <a:pPr marL="355600">
@@ -8556,7 +8538,7 @@
               </a:rPr>
               <a:t>文本）等</a:t>
             </a:r>
-            <a:endParaRPr sz="2400">
+            <a:endParaRPr sz="2400" dirty="0">
               <a:latin typeface="Noto Sans CJK JP Regular"/>
               <a:cs typeface="Noto Sans CJK JP Regular"/>
             </a:endParaRPr>
